--- a/ppt 16-9/0249.到加略山.pptx
+++ b/ppt 16-9/0249.到加略山.pptx
@@ -129,7 +129,7 @@
           <p:cNvPr id="2" name="标题 1">
             <a:extLst>
               <a:ext uri="{FF2B5EF4-FFF2-40B4-BE49-F238E27FC236}">
-                <a16:creationId xmlns:a16="http://schemas.microsoft.com/office/drawing/2014/main" id="{E17E561A-4D30-4382-FA73-6D982C0820FD}"/>
+                <a16:creationId xmlns:a16="http://schemas.microsoft.com/office/drawing/2014/main" id="{D7CF05F1-CA63-25B2-2268-CE4946C05222}"/>
               </a:ext>
             </a:extLst>
           </p:cNvPr>
@@ -166,7 +166,7 @@
           <p:cNvPr id="3" name="副标题 2">
             <a:extLst>
               <a:ext uri="{FF2B5EF4-FFF2-40B4-BE49-F238E27FC236}">
-                <a16:creationId xmlns:a16="http://schemas.microsoft.com/office/drawing/2014/main" id="{DA6679F5-6B95-762E-9EB5-D82F0DD3192A}"/>
+                <a16:creationId xmlns:a16="http://schemas.microsoft.com/office/drawing/2014/main" id="{3EE90ACE-A553-805F-D786-CB2977E6ACF0}"/>
               </a:ext>
             </a:extLst>
           </p:cNvPr>
@@ -236,7 +236,7 @@
           <p:cNvPr id="4" name="日期占位符 3">
             <a:extLst>
               <a:ext uri="{FF2B5EF4-FFF2-40B4-BE49-F238E27FC236}">
-                <a16:creationId xmlns:a16="http://schemas.microsoft.com/office/drawing/2014/main" id="{BC9A1959-E744-6786-6C9B-6CEA6AF1ED80}"/>
+                <a16:creationId xmlns:a16="http://schemas.microsoft.com/office/drawing/2014/main" id="{AC20A120-793A-E3E9-A2E5-1B624DC9752E}"/>
               </a:ext>
             </a:extLst>
           </p:cNvPr>
@@ -252,7 +252,7 @@
           <a:bodyPr/>
           <a:lstStyle/>
           <a:p>
-            <a:fld id="{9F1873FD-C718-403C-AE44-7017A3926CFD}" type="datetimeFigureOut">
+            <a:fld id="{6771A767-498F-4640-A49C-2C2C61D7ED07}" type="datetimeFigureOut">
               <a:rPr lang="zh-CN" altLang="en-US" smtClean="0"/>
               <a:t>2024/3/10</a:t>
             </a:fld>
@@ -265,7 +265,7 @@
           <p:cNvPr id="5" name="页脚占位符 4">
             <a:extLst>
               <a:ext uri="{FF2B5EF4-FFF2-40B4-BE49-F238E27FC236}">
-                <a16:creationId xmlns:a16="http://schemas.microsoft.com/office/drawing/2014/main" id="{56ABD97D-E225-3EAF-6372-4BF3EF577113}"/>
+                <a16:creationId xmlns:a16="http://schemas.microsoft.com/office/drawing/2014/main" id="{CAD2CB1F-FEB4-F943-B644-C85A4E0D1D2E}"/>
               </a:ext>
             </a:extLst>
           </p:cNvPr>
@@ -290,7 +290,7 @@
           <p:cNvPr id="6" name="灯片编号占位符 5">
             <a:extLst>
               <a:ext uri="{FF2B5EF4-FFF2-40B4-BE49-F238E27FC236}">
-                <a16:creationId xmlns:a16="http://schemas.microsoft.com/office/drawing/2014/main" id="{FA7180DC-473E-EF29-9E95-06AD4984D781}"/>
+                <a16:creationId xmlns:a16="http://schemas.microsoft.com/office/drawing/2014/main" id="{5F894142-5D90-31B3-C5B7-FA38A426A13A}"/>
               </a:ext>
             </a:extLst>
           </p:cNvPr>
@@ -306,7 +306,7 @@
           <a:bodyPr/>
           <a:lstStyle/>
           <a:p>
-            <a:fld id="{EBBCB5C3-DE95-4D60-B16A-95571F970727}" type="slidenum">
+            <a:fld id="{6E535C62-7586-42CC-9363-E62ED343AD6A}" type="slidenum">
               <a:rPr lang="zh-CN" altLang="en-US" smtClean="0"/>
               <a:t>‹#›</a:t>
             </a:fld>
@@ -317,7 +317,7 @@
     </p:spTree>
     <p:extLst>
       <p:ext uri="{BB962C8B-B14F-4D97-AF65-F5344CB8AC3E}">
-        <p14:creationId xmlns:p14="http://schemas.microsoft.com/office/powerpoint/2010/main" val="3341774369"/>
+        <p14:creationId xmlns:p14="http://schemas.microsoft.com/office/powerpoint/2010/main" val="3448301787"/>
       </p:ext>
     </p:extLst>
   </p:cSld>
@@ -349,7 +349,7 @@
           <p:cNvPr id="2" name="标题 1">
             <a:extLst>
               <a:ext uri="{FF2B5EF4-FFF2-40B4-BE49-F238E27FC236}">
-                <a16:creationId xmlns:a16="http://schemas.microsoft.com/office/drawing/2014/main" id="{CAB176BA-28D3-64E5-8D17-71110BC97DCE}"/>
+                <a16:creationId xmlns:a16="http://schemas.microsoft.com/office/drawing/2014/main" id="{C7386DB1-3234-0B9E-484C-DAF4D6C899A2}"/>
               </a:ext>
             </a:extLst>
           </p:cNvPr>
@@ -377,7 +377,7 @@
           <p:cNvPr id="3" name="竖排文字占位符 2">
             <a:extLst>
               <a:ext uri="{FF2B5EF4-FFF2-40B4-BE49-F238E27FC236}">
-                <a16:creationId xmlns:a16="http://schemas.microsoft.com/office/drawing/2014/main" id="{7D6F737C-84F3-FFEA-03AE-4D181D6FD991}"/>
+                <a16:creationId xmlns:a16="http://schemas.microsoft.com/office/drawing/2014/main" id="{95BA47F8-9A4E-B40F-7382-7CC969C011C2}"/>
               </a:ext>
             </a:extLst>
           </p:cNvPr>
@@ -434,7 +434,7 @@
           <p:cNvPr id="4" name="日期占位符 3">
             <a:extLst>
               <a:ext uri="{FF2B5EF4-FFF2-40B4-BE49-F238E27FC236}">
-                <a16:creationId xmlns:a16="http://schemas.microsoft.com/office/drawing/2014/main" id="{82D41320-558E-3197-9CE5-41DDEE6437FE}"/>
+                <a16:creationId xmlns:a16="http://schemas.microsoft.com/office/drawing/2014/main" id="{136139FC-D7F9-4B22-1A37-1DF3B7765EDF}"/>
               </a:ext>
             </a:extLst>
           </p:cNvPr>
@@ -450,7 +450,7 @@
           <a:bodyPr/>
           <a:lstStyle/>
           <a:p>
-            <a:fld id="{9F1873FD-C718-403C-AE44-7017A3926CFD}" type="datetimeFigureOut">
+            <a:fld id="{6771A767-498F-4640-A49C-2C2C61D7ED07}" type="datetimeFigureOut">
               <a:rPr lang="zh-CN" altLang="en-US" smtClean="0"/>
               <a:t>2024/3/10</a:t>
             </a:fld>
@@ -463,7 +463,7 @@
           <p:cNvPr id="5" name="页脚占位符 4">
             <a:extLst>
               <a:ext uri="{FF2B5EF4-FFF2-40B4-BE49-F238E27FC236}">
-                <a16:creationId xmlns:a16="http://schemas.microsoft.com/office/drawing/2014/main" id="{E035C748-5A19-5F34-7BD1-68CC63A271FF}"/>
+                <a16:creationId xmlns:a16="http://schemas.microsoft.com/office/drawing/2014/main" id="{298E5274-DAED-CD7C-9C0B-FD9E08D65E84}"/>
               </a:ext>
             </a:extLst>
           </p:cNvPr>
@@ -488,7 +488,7 @@
           <p:cNvPr id="6" name="灯片编号占位符 5">
             <a:extLst>
               <a:ext uri="{FF2B5EF4-FFF2-40B4-BE49-F238E27FC236}">
-                <a16:creationId xmlns:a16="http://schemas.microsoft.com/office/drawing/2014/main" id="{A88217F5-64F1-B87A-800A-8A9C4AA01DF3}"/>
+                <a16:creationId xmlns:a16="http://schemas.microsoft.com/office/drawing/2014/main" id="{41D68310-DC44-7B66-63C7-B508A31F4AF9}"/>
               </a:ext>
             </a:extLst>
           </p:cNvPr>
@@ -504,7 +504,7 @@
           <a:bodyPr/>
           <a:lstStyle/>
           <a:p>
-            <a:fld id="{EBBCB5C3-DE95-4D60-B16A-95571F970727}" type="slidenum">
+            <a:fld id="{6E535C62-7586-42CC-9363-E62ED343AD6A}" type="slidenum">
               <a:rPr lang="zh-CN" altLang="en-US" smtClean="0"/>
               <a:t>‹#›</a:t>
             </a:fld>
@@ -515,7 +515,7 @@
     </p:spTree>
     <p:extLst>
       <p:ext uri="{BB962C8B-B14F-4D97-AF65-F5344CB8AC3E}">
-        <p14:creationId xmlns:p14="http://schemas.microsoft.com/office/powerpoint/2010/main" val="429022624"/>
+        <p14:creationId xmlns:p14="http://schemas.microsoft.com/office/powerpoint/2010/main" val="3656571628"/>
       </p:ext>
     </p:extLst>
   </p:cSld>
@@ -547,7 +547,7 @@
           <p:cNvPr id="2" name="竖排标题 1">
             <a:extLst>
               <a:ext uri="{FF2B5EF4-FFF2-40B4-BE49-F238E27FC236}">
-                <a16:creationId xmlns:a16="http://schemas.microsoft.com/office/drawing/2014/main" id="{4B6F7E08-ED6D-3F47-1485-EC178CC4D7A5}"/>
+                <a16:creationId xmlns:a16="http://schemas.microsoft.com/office/drawing/2014/main" id="{2156EA45-CFFE-DF7A-55D4-92CA97B988B4}"/>
               </a:ext>
             </a:extLst>
           </p:cNvPr>
@@ -580,7 +580,7 @@
           <p:cNvPr id="3" name="竖排文字占位符 2">
             <a:extLst>
               <a:ext uri="{FF2B5EF4-FFF2-40B4-BE49-F238E27FC236}">
-                <a16:creationId xmlns:a16="http://schemas.microsoft.com/office/drawing/2014/main" id="{C915EBC0-0A21-5E40-960A-1F969C8AC88D}"/>
+                <a16:creationId xmlns:a16="http://schemas.microsoft.com/office/drawing/2014/main" id="{98A13BD3-72A9-137C-D1F3-3F9A103C7B37}"/>
               </a:ext>
             </a:extLst>
           </p:cNvPr>
@@ -642,7 +642,7 @@
           <p:cNvPr id="4" name="日期占位符 3">
             <a:extLst>
               <a:ext uri="{FF2B5EF4-FFF2-40B4-BE49-F238E27FC236}">
-                <a16:creationId xmlns:a16="http://schemas.microsoft.com/office/drawing/2014/main" id="{72C77146-99F4-7126-B124-5456F29E76C7}"/>
+                <a16:creationId xmlns:a16="http://schemas.microsoft.com/office/drawing/2014/main" id="{840FB3FF-B4AA-8D25-4213-A0CDA1C44905}"/>
               </a:ext>
             </a:extLst>
           </p:cNvPr>
@@ -658,7 +658,7 @@
           <a:bodyPr/>
           <a:lstStyle/>
           <a:p>
-            <a:fld id="{9F1873FD-C718-403C-AE44-7017A3926CFD}" type="datetimeFigureOut">
+            <a:fld id="{6771A767-498F-4640-A49C-2C2C61D7ED07}" type="datetimeFigureOut">
               <a:rPr lang="zh-CN" altLang="en-US" smtClean="0"/>
               <a:t>2024/3/10</a:t>
             </a:fld>
@@ -671,7 +671,7 @@
           <p:cNvPr id="5" name="页脚占位符 4">
             <a:extLst>
               <a:ext uri="{FF2B5EF4-FFF2-40B4-BE49-F238E27FC236}">
-                <a16:creationId xmlns:a16="http://schemas.microsoft.com/office/drawing/2014/main" id="{C2DCDD81-FB1B-E673-000D-4B2E88847F2A}"/>
+                <a16:creationId xmlns:a16="http://schemas.microsoft.com/office/drawing/2014/main" id="{2048248B-3FF1-2937-C7DD-DAAA115B3A66}"/>
               </a:ext>
             </a:extLst>
           </p:cNvPr>
@@ -696,7 +696,7 @@
           <p:cNvPr id="6" name="灯片编号占位符 5">
             <a:extLst>
               <a:ext uri="{FF2B5EF4-FFF2-40B4-BE49-F238E27FC236}">
-                <a16:creationId xmlns:a16="http://schemas.microsoft.com/office/drawing/2014/main" id="{91682D7E-A705-FC19-9A9E-AA932C9AE305}"/>
+                <a16:creationId xmlns:a16="http://schemas.microsoft.com/office/drawing/2014/main" id="{2B5BAD83-0924-ACB1-8E83-999730DAF103}"/>
               </a:ext>
             </a:extLst>
           </p:cNvPr>
@@ -712,7 +712,7 @@
           <a:bodyPr/>
           <a:lstStyle/>
           <a:p>
-            <a:fld id="{EBBCB5C3-DE95-4D60-B16A-95571F970727}" type="slidenum">
+            <a:fld id="{6E535C62-7586-42CC-9363-E62ED343AD6A}" type="slidenum">
               <a:rPr lang="zh-CN" altLang="en-US" smtClean="0"/>
               <a:t>‹#›</a:t>
             </a:fld>
@@ -723,7 +723,7 @@
     </p:spTree>
     <p:extLst>
       <p:ext uri="{BB962C8B-B14F-4D97-AF65-F5344CB8AC3E}">
-        <p14:creationId xmlns:p14="http://schemas.microsoft.com/office/powerpoint/2010/main" val="3995195085"/>
+        <p14:creationId xmlns:p14="http://schemas.microsoft.com/office/powerpoint/2010/main" val="3798211184"/>
       </p:ext>
     </p:extLst>
   </p:cSld>
@@ -755,7 +755,7 @@
           <p:cNvPr id="2" name="标题 1">
             <a:extLst>
               <a:ext uri="{FF2B5EF4-FFF2-40B4-BE49-F238E27FC236}">
-                <a16:creationId xmlns:a16="http://schemas.microsoft.com/office/drawing/2014/main" id="{94D4B0FC-B993-0B1B-758F-7B85D94231C6}"/>
+                <a16:creationId xmlns:a16="http://schemas.microsoft.com/office/drawing/2014/main" id="{CA6FDA33-88A9-89A5-813F-1713F012BD66}"/>
               </a:ext>
             </a:extLst>
           </p:cNvPr>
@@ -783,7 +783,7 @@
           <p:cNvPr id="3" name="内容占位符 2">
             <a:extLst>
               <a:ext uri="{FF2B5EF4-FFF2-40B4-BE49-F238E27FC236}">
-                <a16:creationId xmlns:a16="http://schemas.microsoft.com/office/drawing/2014/main" id="{8B199DD4-442F-A5CA-01E5-AF032C2C8DCE}"/>
+                <a16:creationId xmlns:a16="http://schemas.microsoft.com/office/drawing/2014/main" id="{8C0FB658-F07A-7949-20CD-5DF2B3CA5A0D}"/>
               </a:ext>
             </a:extLst>
           </p:cNvPr>
@@ -840,7 +840,7 @@
           <p:cNvPr id="4" name="日期占位符 3">
             <a:extLst>
               <a:ext uri="{FF2B5EF4-FFF2-40B4-BE49-F238E27FC236}">
-                <a16:creationId xmlns:a16="http://schemas.microsoft.com/office/drawing/2014/main" id="{BC0CAC1A-F391-FCB2-B816-465CCA592F0C}"/>
+                <a16:creationId xmlns:a16="http://schemas.microsoft.com/office/drawing/2014/main" id="{345607BB-5B76-A81E-ABFE-B0914F14575A}"/>
               </a:ext>
             </a:extLst>
           </p:cNvPr>
@@ -856,7 +856,7 @@
           <a:bodyPr/>
           <a:lstStyle/>
           <a:p>
-            <a:fld id="{9F1873FD-C718-403C-AE44-7017A3926CFD}" type="datetimeFigureOut">
+            <a:fld id="{6771A767-498F-4640-A49C-2C2C61D7ED07}" type="datetimeFigureOut">
               <a:rPr lang="zh-CN" altLang="en-US" smtClean="0"/>
               <a:t>2024/3/10</a:t>
             </a:fld>
@@ -869,7 +869,7 @@
           <p:cNvPr id="5" name="页脚占位符 4">
             <a:extLst>
               <a:ext uri="{FF2B5EF4-FFF2-40B4-BE49-F238E27FC236}">
-                <a16:creationId xmlns:a16="http://schemas.microsoft.com/office/drawing/2014/main" id="{AE377A08-C3F9-78DE-07C9-2226F641C4C6}"/>
+                <a16:creationId xmlns:a16="http://schemas.microsoft.com/office/drawing/2014/main" id="{88226434-D93D-04D6-B7D0-9A4F6998B2AA}"/>
               </a:ext>
             </a:extLst>
           </p:cNvPr>
@@ -894,7 +894,7 @@
           <p:cNvPr id="6" name="灯片编号占位符 5">
             <a:extLst>
               <a:ext uri="{FF2B5EF4-FFF2-40B4-BE49-F238E27FC236}">
-                <a16:creationId xmlns:a16="http://schemas.microsoft.com/office/drawing/2014/main" id="{3FDA6858-175A-3ADF-5DA3-2F2F1587AC0D}"/>
+                <a16:creationId xmlns:a16="http://schemas.microsoft.com/office/drawing/2014/main" id="{FA126F52-D99F-7F46-0252-741657DC118D}"/>
               </a:ext>
             </a:extLst>
           </p:cNvPr>
@@ -910,7 +910,7 @@
           <a:bodyPr/>
           <a:lstStyle/>
           <a:p>
-            <a:fld id="{EBBCB5C3-DE95-4D60-B16A-95571F970727}" type="slidenum">
+            <a:fld id="{6E535C62-7586-42CC-9363-E62ED343AD6A}" type="slidenum">
               <a:rPr lang="zh-CN" altLang="en-US" smtClean="0"/>
               <a:t>‹#›</a:t>
             </a:fld>
@@ -921,7 +921,7 @@
     </p:spTree>
     <p:extLst>
       <p:ext uri="{BB962C8B-B14F-4D97-AF65-F5344CB8AC3E}">
-        <p14:creationId xmlns:p14="http://schemas.microsoft.com/office/powerpoint/2010/main" val="2969962747"/>
+        <p14:creationId xmlns:p14="http://schemas.microsoft.com/office/powerpoint/2010/main" val="3306533655"/>
       </p:ext>
     </p:extLst>
   </p:cSld>
@@ -953,7 +953,7 @@
           <p:cNvPr id="2" name="标题 1">
             <a:extLst>
               <a:ext uri="{FF2B5EF4-FFF2-40B4-BE49-F238E27FC236}">
-                <a16:creationId xmlns:a16="http://schemas.microsoft.com/office/drawing/2014/main" id="{4ED1AC87-4826-C521-B845-82C002169855}"/>
+                <a16:creationId xmlns:a16="http://schemas.microsoft.com/office/drawing/2014/main" id="{C0C9A748-C313-CE4A-E816-BFF1090F0322}"/>
               </a:ext>
             </a:extLst>
           </p:cNvPr>
@@ -990,7 +990,7 @@
           <p:cNvPr id="3" name="文本占位符 2">
             <a:extLst>
               <a:ext uri="{FF2B5EF4-FFF2-40B4-BE49-F238E27FC236}">
-                <a16:creationId xmlns:a16="http://schemas.microsoft.com/office/drawing/2014/main" id="{8866F592-3E5D-2BDC-6081-8EFDE26846FC}"/>
+                <a16:creationId xmlns:a16="http://schemas.microsoft.com/office/drawing/2014/main" id="{FB93C027-82A9-6397-614C-3E80A434FBDA}"/>
               </a:ext>
             </a:extLst>
           </p:cNvPr>
@@ -1115,7 +1115,7 @@
           <p:cNvPr id="4" name="日期占位符 3">
             <a:extLst>
               <a:ext uri="{FF2B5EF4-FFF2-40B4-BE49-F238E27FC236}">
-                <a16:creationId xmlns:a16="http://schemas.microsoft.com/office/drawing/2014/main" id="{CC0C3EB8-9B06-3945-3879-2229D305554A}"/>
+                <a16:creationId xmlns:a16="http://schemas.microsoft.com/office/drawing/2014/main" id="{78ABC3AB-9C83-8DBF-C9D1-EAA6CABA9D64}"/>
               </a:ext>
             </a:extLst>
           </p:cNvPr>
@@ -1131,7 +1131,7 @@
           <a:bodyPr/>
           <a:lstStyle/>
           <a:p>
-            <a:fld id="{9F1873FD-C718-403C-AE44-7017A3926CFD}" type="datetimeFigureOut">
+            <a:fld id="{6771A767-498F-4640-A49C-2C2C61D7ED07}" type="datetimeFigureOut">
               <a:rPr lang="zh-CN" altLang="en-US" smtClean="0"/>
               <a:t>2024/3/10</a:t>
             </a:fld>
@@ -1144,7 +1144,7 @@
           <p:cNvPr id="5" name="页脚占位符 4">
             <a:extLst>
               <a:ext uri="{FF2B5EF4-FFF2-40B4-BE49-F238E27FC236}">
-                <a16:creationId xmlns:a16="http://schemas.microsoft.com/office/drawing/2014/main" id="{2335506F-EC68-1030-2EE8-D9B141C56DB3}"/>
+                <a16:creationId xmlns:a16="http://schemas.microsoft.com/office/drawing/2014/main" id="{FF52E6FF-1488-A094-8017-84486A940D6B}"/>
               </a:ext>
             </a:extLst>
           </p:cNvPr>
@@ -1169,7 +1169,7 @@
           <p:cNvPr id="6" name="灯片编号占位符 5">
             <a:extLst>
               <a:ext uri="{FF2B5EF4-FFF2-40B4-BE49-F238E27FC236}">
-                <a16:creationId xmlns:a16="http://schemas.microsoft.com/office/drawing/2014/main" id="{29BE8D39-7735-6429-6047-41BFF26183B2}"/>
+                <a16:creationId xmlns:a16="http://schemas.microsoft.com/office/drawing/2014/main" id="{59D29836-A2E1-7C95-8727-468C5D66110B}"/>
               </a:ext>
             </a:extLst>
           </p:cNvPr>
@@ -1185,7 +1185,7 @@
           <a:bodyPr/>
           <a:lstStyle/>
           <a:p>
-            <a:fld id="{EBBCB5C3-DE95-4D60-B16A-95571F970727}" type="slidenum">
+            <a:fld id="{6E535C62-7586-42CC-9363-E62ED343AD6A}" type="slidenum">
               <a:rPr lang="zh-CN" altLang="en-US" smtClean="0"/>
               <a:t>‹#›</a:t>
             </a:fld>
@@ -1196,7 +1196,7 @@
     </p:spTree>
     <p:extLst>
       <p:ext uri="{BB962C8B-B14F-4D97-AF65-F5344CB8AC3E}">
-        <p14:creationId xmlns:p14="http://schemas.microsoft.com/office/powerpoint/2010/main" val="274865570"/>
+        <p14:creationId xmlns:p14="http://schemas.microsoft.com/office/powerpoint/2010/main" val="2628709485"/>
       </p:ext>
     </p:extLst>
   </p:cSld>
@@ -1228,7 +1228,7 @@
           <p:cNvPr id="2" name="标题 1">
             <a:extLst>
               <a:ext uri="{FF2B5EF4-FFF2-40B4-BE49-F238E27FC236}">
-                <a16:creationId xmlns:a16="http://schemas.microsoft.com/office/drawing/2014/main" id="{2AFA4E76-5B71-2695-0B2C-A3014D85C8F4}"/>
+                <a16:creationId xmlns:a16="http://schemas.microsoft.com/office/drawing/2014/main" id="{68509F6F-541E-3AC5-915B-A020BD2B3B13}"/>
               </a:ext>
             </a:extLst>
           </p:cNvPr>
@@ -1256,7 +1256,7 @@
           <p:cNvPr id="3" name="内容占位符 2">
             <a:extLst>
               <a:ext uri="{FF2B5EF4-FFF2-40B4-BE49-F238E27FC236}">
-                <a16:creationId xmlns:a16="http://schemas.microsoft.com/office/drawing/2014/main" id="{D8ADA91B-DB49-6A3D-2E2B-E01AAD7DD4D8}"/>
+                <a16:creationId xmlns:a16="http://schemas.microsoft.com/office/drawing/2014/main" id="{88472B5B-C785-1DFC-F421-AC22AEE058A3}"/>
               </a:ext>
             </a:extLst>
           </p:cNvPr>
@@ -1318,7 +1318,7 @@
           <p:cNvPr id="4" name="内容占位符 3">
             <a:extLst>
               <a:ext uri="{FF2B5EF4-FFF2-40B4-BE49-F238E27FC236}">
-                <a16:creationId xmlns:a16="http://schemas.microsoft.com/office/drawing/2014/main" id="{29AC8D3D-DF75-76F5-21C7-830DCFFA95C6}"/>
+                <a16:creationId xmlns:a16="http://schemas.microsoft.com/office/drawing/2014/main" id="{3163C1F3-5021-E429-BCBC-B745E7BC4156}"/>
               </a:ext>
             </a:extLst>
           </p:cNvPr>
@@ -1380,7 +1380,7 @@
           <p:cNvPr id="5" name="日期占位符 4">
             <a:extLst>
               <a:ext uri="{FF2B5EF4-FFF2-40B4-BE49-F238E27FC236}">
-                <a16:creationId xmlns:a16="http://schemas.microsoft.com/office/drawing/2014/main" id="{35005132-4518-C813-6E7C-F49502528E83}"/>
+                <a16:creationId xmlns:a16="http://schemas.microsoft.com/office/drawing/2014/main" id="{F777D058-3DB1-44A4-E108-8F6B126AA8ED}"/>
               </a:ext>
             </a:extLst>
           </p:cNvPr>
@@ -1396,7 +1396,7 @@
           <a:bodyPr/>
           <a:lstStyle/>
           <a:p>
-            <a:fld id="{9F1873FD-C718-403C-AE44-7017A3926CFD}" type="datetimeFigureOut">
+            <a:fld id="{6771A767-498F-4640-A49C-2C2C61D7ED07}" type="datetimeFigureOut">
               <a:rPr lang="zh-CN" altLang="en-US" smtClean="0"/>
               <a:t>2024/3/10</a:t>
             </a:fld>
@@ -1409,7 +1409,7 @@
           <p:cNvPr id="6" name="页脚占位符 5">
             <a:extLst>
               <a:ext uri="{FF2B5EF4-FFF2-40B4-BE49-F238E27FC236}">
-                <a16:creationId xmlns:a16="http://schemas.microsoft.com/office/drawing/2014/main" id="{98FCF83B-4897-4C2F-8C24-58E37C63C072}"/>
+                <a16:creationId xmlns:a16="http://schemas.microsoft.com/office/drawing/2014/main" id="{8292269D-EB3F-0309-EED1-724B9C0B3274}"/>
               </a:ext>
             </a:extLst>
           </p:cNvPr>
@@ -1434,7 +1434,7 @@
           <p:cNvPr id="7" name="灯片编号占位符 6">
             <a:extLst>
               <a:ext uri="{FF2B5EF4-FFF2-40B4-BE49-F238E27FC236}">
-                <a16:creationId xmlns:a16="http://schemas.microsoft.com/office/drawing/2014/main" id="{9AE79AA6-36FD-5950-C0AD-33E50270032B}"/>
+                <a16:creationId xmlns:a16="http://schemas.microsoft.com/office/drawing/2014/main" id="{DD9600A9-7C79-F560-2A6F-E7737961E47F}"/>
               </a:ext>
             </a:extLst>
           </p:cNvPr>
@@ -1450,7 +1450,7 @@
           <a:bodyPr/>
           <a:lstStyle/>
           <a:p>
-            <a:fld id="{EBBCB5C3-DE95-4D60-B16A-95571F970727}" type="slidenum">
+            <a:fld id="{6E535C62-7586-42CC-9363-E62ED343AD6A}" type="slidenum">
               <a:rPr lang="zh-CN" altLang="en-US" smtClean="0"/>
               <a:t>‹#›</a:t>
             </a:fld>
@@ -1461,7 +1461,7 @@
     </p:spTree>
     <p:extLst>
       <p:ext uri="{BB962C8B-B14F-4D97-AF65-F5344CB8AC3E}">
-        <p14:creationId xmlns:p14="http://schemas.microsoft.com/office/powerpoint/2010/main" val="241211686"/>
+        <p14:creationId xmlns:p14="http://schemas.microsoft.com/office/powerpoint/2010/main" val="881205805"/>
       </p:ext>
     </p:extLst>
   </p:cSld>
@@ -1493,7 +1493,7 @@
           <p:cNvPr id="2" name="标题 1">
             <a:extLst>
               <a:ext uri="{FF2B5EF4-FFF2-40B4-BE49-F238E27FC236}">
-                <a16:creationId xmlns:a16="http://schemas.microsoft.com/office/drawing/2014/main" id="{F39D17F9-B254-3CA1-7E13-29B12F74B090}"/>
+                <a16:creationId xmlns:a16="http://schemas.microsoft.com/office/drawing/2014/main" id="{386114E7-5BF7-7BB5-FAA7-C03F67CE605D}"/>
               </a:ext>
             </a:extLst>
           </p:cNvPr>
@@ -1526,7 +1526,7 @@
           <p:cNvPr id="3" name="文本占位符 2">
             <a:extLst>
               <a:ext uri="{FF2B5EF4-FFF2-40B4-BE49-F238E27FC236}">
-                <a16:creationId xmlns:a16="http://schemas.microsoft.com/office/drawing/2014/main" id="{8EC8A686-4E81-761D-9229-95B9E8765596}"/>
+                <a16:creationId xmlns:a16="http://schemas.microsoft.com/office/drawing/2014/main" id="{7B855843-5F15-2737-7C54-BED35F1CA011}"/>
               </a:ext>
             </a:extLst>
           </p:cNvPr>
@@ -1597,7 +1597,7 @@
           <p:cNvPr id="4" name="内容占位符 3">
             <a:extLst>
               <a:ext uri="{FF2B5EF4-FFF2-40B4-BE49-F238E27FC236}">
-                <a16:creationId xmlns:a16="http://schemas.microsoft.com/office/drawing/2014/main" id="{FBAF0AB2-C266-35F9-9990-736CF47C0EF5}"/>
+                <a16:creationId xmlns:a16="http://schemas.microsoft.com/office/drawing/2014/main" id="{3AE07A27-3A11-D385-69B9-B9FA3DF5088D}"/>
               </a:ext>
             </a:extLst>
           </p:cNvPr>
@@ -1659,7 +1659,7 @@
           <p:cNvPr id="5" name="文本占位符 4">
             <a:extLst>
               <a:ext uri="{FF2B5EF4-FFF2-40B4-BE49-F238E27FC236}">
-                <a16:creationId xmlns:a16="http://schemas.microsoft.com/office/drawing/2014/main" id="{BC74ECB9-E7C4-D0C5-B745-A57AA89896D2}"/>
+                <a16:creationId xmlns:a16="http://schemas.microsoft.com/office/drawing/2014/main" id="{F1843BEF-45EB-4291-EE39-7311435FA83D}"/>
               </a:ext>
             </a:extLst>
           </p:cNvPr>
@@ -1730,7 +1730,7 @@
           <p:cNvPr id="6" name="内容占位符 5">
             <a:extLst>
               <a:ext uri="{FF2B5EF4-FFF2-40B4-BE49-F238E27FC236}">
-                <a16:creationId xmlns:a16="http://schemas.microsoft.com/office/drawing/2014/main" id="{8FE6627D-76BA-EA23-26B7-A448726D23E8}"/>
+                <a16:creationId xmlns:a16="http://schemas.microsoft.com/office/drawing/2014/main" id="{DA8BBD46-00C2-86A7-5E3B-D1C39B8120EE}"/>
               </a:ext>
             </a:extLst>
           </p:cNvPr>
@@ -1792,7 +1792,7 @@
           <p:cNvPr id="7" name="日期占位符 6">
             <a:extLst>
               <a:ext uri="{FF2B5EF4-FFF2-40B4-BE49-F238E27FC236}">
-                <a16:creationId xmlns:a16="http://schemas.microsoft.com/office/drawing/2014/main" id="{237002EB-0296-3CD7-7BF6-06112CCEBEBD}"/>
+                <a16:creationId xmlns:a16="http://schemas.microsoft.com/office/drawing/2014/main" id="{E4488FD0-7727-0281-84D9-AEF127777C58}"/>
               </a:ext>
             </a:extLst>
           </p:cNvPr>
@@ -1808,7 +1808,7 @@
           <a:bodyPr/>
           <a:lstStyle/>
           <a:p>
-            <a:fld id="{9F1873FD-C718-403C-AE44-7017A3926CFD}" type="datetimeFigureOut">
+            <a:fld id="{6771A767-498F-4640-A49C-2C2C61D7ED07}" type="datetimeFigureOut">
               <a:rPr lang="zh-CN" altLang="en-US" smtClean="0"/>
               <a:t>2024/3/10</a:t>
             </a:fld>
@@ -1821,7 +1821,7 @@
           <p:cNvPr id="8" name="页脚占位符 7">
             <a:extLst>
               <a:ext uri="{FF2B5EF4-FFF2-40B4-BE49-F238E27FC236}">
-                <a16:creationId xmlns:a16="http://schemas.microsoft.com/office/drawing/2014/main" id="{89F43C08-F91D-90A8-F63C-43FC9CE4B611}"/>
+                <a16:creationId xmlns:a16="http://schemas.microsoft.com/office/drawing/2014/main" id="{7818F486-3ECB-5A8F-AB94-935143E35CE2}"/>
               </a:ext>
             </a:extLst>
           </p:cNvPr>
@@ -1846,7 +1846,7 @@
           <p:cNvPr id="9" name="灯片编号占位符 8">
             <a:extLst>
               <a:ext uri="{FF2B5EF4-FFF2-40B4-BE49-F238E27FC236}">
-                <a16:creationId xmlns:a16="http://schemas.microsoft.com/office/drawing/2014/main" id="{89CB2C81-3437-17CB-4D77-9ED05E9884B7}"/>
+                <a16:creationId xmlns:a16="http://schemas.microsoft.com/office/drawing/2014/main" id="{C273EA13-4708-C978-3C25-69DC260B082B}"/>
               </a:ext>
             </a:extLst>
           </p:cNvPr>
@@ -1862,7 +1862,7 @@
           <a:bodyPr/>
           <a:lstStyle/>
           <a:p>
-            <a:fld id="{EBBCB5C3-DE95-4D60-B16A-95571F970727}" type="slidenum">
+            <a:fld id="{6E535C62-7586-42CC-9363-E62ED343AD6A}" type="slidenum">
               <a:rPr lang="zh-CN" altLang="en-US" smtClean="0"/>
               <a:t>‹#›</a:t>
             </a:fld>
@@ -1873,7 +1873,7 @@
     </p:spTree>
     <p:extLst>
       <p:ext uri="{BB962C8B-B14F-4D97-AF65-F5344CB8AC3E}">
-        <p14:creationId xmlns:p14="http://schemas.microsoft.com/office/powerpoint/2010/main" val="3068807591"/>
+        <p14:creationId xmlns:p14="http://schemas.microsoft.com/office/powerpoint/2010/main" val="3861714211"/>
       </p:ext>
     </p:extLst>
   </p:cSld>
@@ -1905,7 +1905,7 @@
           <p:cNvPr id="2" name="标题 1">
             <a:extLst>
               <a:ext uri="{FF2B5EF4-FFF2-40B4-BE49-F238E27FC236}">
-                <a16:creationId xmlns:a16="http://schemas.microsoft.com/office/drawing/2014/main" id="{7CAF2017-7C83-18F7-7A3D-C040C5D355C5}"/>
+                <a16:creationId xmlns:a16="http://schemas.microsoft.com/office/drawing/2014/main" id="{D7C05374-7AC8-DC64-3644-A3541EFC6729}"/>
               </a:ext>
             </a:extLst>
           </p:cNvPr>
@@ -1933,7 +1933,7 @@
           <p:cNvPr id="3" name="日期占位符 2">
             <a:extLst>
               <a:ext uri="{FF2B5EF4-FFF2-40B4-BE49-F238E27FC236}">
-                <a16:creationId xmlns:a16="http://schemas.microsoft.com/office/drawing/2014/main" id="{D75E8748-7DDB-0D00-E338-5BC988D27166}"/>
+                <a16:creationId xmlns:a16="http://schemas.microsoft.com/office/drawing/2014/main" id="{08C21AAC-F537-1836-B1E8-CE9ACEA8B48E}"/>
               </a:ext>
             </a:extLst>
           </p:cNvPr>
@@ -1949,7 +1949,7 @@
           <a:bodyPr/>
           <a:lstStyle/>
           <a:p>
-            <a:fld id="{9F1873FD-C718-403C-AE44-7017A3926CFD}" type="datetimeFigureOut">
+            <a:fld id="{6771A767-498F-4640-A49C-2C2C61D7ED07}" type="datetimeFigureOut">
               <a:rPr lang="zh-CN" altLang="en-US" smtClean="0"/>
               <a:t>2024/3/10</a:t>
             </a:fld>
@@ -1962,7 +1962,7 @@
           <p:cNvPr id="4" name="页脚占位符 3">
             <a:extLst>
               <a:ext uri="{FF2B5EF4-FFF2-40B4-BE49-F238E27FC236}">
-                <a16:creationId xmlns:a16="http://schemas.microsoft.com/office/drawing/2014/main" id="{7F3DBFC2-691C-82DF-8349-9421BCEE32ED}"/>
+                <a16:creationId xmlns:a16="http://schemas.microsoft.com/office/drawing/2014/main" id="{881C3E65-BEC0-D34C-BC61-D8B2C02E8381}"/>
               </a:ext>
             </a:extLst>
           </p:cNvPr>
@@ -1987,7 +1987,7 @@
           <p:cNvPr id="5" name="灯片编号占位符 4">
             <a:extLst>
               <a:ext uri="{FF2B5EF4-FFF2-40B4-BE49-F238E27FC236}">
-                <a16:creationId xmlns:a16="http://schemas.microsoft.com/office/drawing/2014/main" id="{8ADD132F-D28D-5C50-522E-283A9985FD74}"/>
+                <a16:creationId xmlns:a16="http://schemas.microsoft.com/office/drawing/2014/main" id="{26B4F7C3-8E54-EA40-089F-4B49B43D3790}"/>
               </a:ext>
             </a:extLst>
           </p:cNvPr>
@@ -2003,7 +2003,7 @@
           <a:bodyPr/>
           <a:lstStyle/>
           <a:p>
-            <a:fld id="{EBBCB5C3-DE95-4D60-B16A-95571F970727}" type="slidenum">
+            <a:fld id="{6E535C62-7586-42CC-9363-E62ED343AD6A}" type="slidenum">
               <a:rPr lang="zh-CN" altLang="en-US" smtClean="0"/>
               <a:t>‹#›</a:t>
             </a:fld>
@@ -2014,7 +2014,7 @@
     </p:spTree>
     <p:extLst>
       <p:ext uri="{BB962C8B-B14F-4D97-AF65-F5344CB8AC3E}">
-        <p14:creationId xmlns:p14="http://schemas.microsoft.com/office/powerpoint/2010/main" val="3448059805"/>
+        <p14:creationId xmlns:p14="http://schemas.microsoft.com/office/powerpoint/2010/main" val="513713685"/>
       </p:ext>
     </p:extLst>
   </p:cSld>
@@ -2046,7 +2046,7 @@
           <p:cNvPr id="2" name="日期占位符 1">
             <a:extLst>
               <a:ext uri="{FF2B5EF4-FFF2-40B4-BE49-F238E27FC236}">
-                <a16:creationId xmlns:a16="http://schemas.microsoft.com/office/drawing/2014/main" id="{18F55EDD-7AE0-C72F-221C-FC50E7DC76FD}"/>
+                <a16:creationId xmlns:a16="http://schemas.microsoft.com/office/drawing/2014/main" id="{E14CC143-3086-8E72-0C5C-2EBA247B22EC}"/>
               </a:ext>
             </a:extLst>
           </p:cNvPr>
@@ -2062,7 +2062,7 @@
           <a:bodyPr/>
           <a:lstStyle/>
           <a:p>
-            <a:fld id="{9F1873FD-C718-403C-AE44-7017A3926CFD}" type="datetimeFigureOut">
+            <a:fld id="{6771A767-498F-4640-A49C-2C2C61D7ED07}" type="datetimeFigureOut">
               <a:rPr lang="zh-CN" altLang="en-US" smtClean="0"/>
               <a:t>2024/3/10</a:t>
             </a:fld>
@@ -2075,7 +2075,7 @@
           <p:cNvPr id="3" name="页脚占位符 2">
             <a:extLst>
               <a:ext uri="{FF2B5EF4-FFF2-40B4-BE49-F238E27FC236}">
-                <a16:creationId xmlns:a16="http://schemas.microsoft.com/office/drawing/2014/main" id="{6E49FDCC-14B8-86DE-87DD-660C0E9CDD29}"/>
+                <a16:creationId xmlns:a16="http://schemas.microsoft.com/office/drawing/2014/main" id="{EDD76DDF-8F72-CF28-C71C-5053B1EF66DC}"/>
               </a:ext>
             </a:extLst>
           </p:cNvPr>
@@ -2100,7 +2100,7 @@
           <p:cNvPr id="4" name="灯片编号占位符 3">
             <a:extLst>
               <a:ext uri="{FF2B5EF4-FFF2-40B4-BE49-F238E27FC236}">
-                <a16:creationId xmlns:a16="http://schemas.microsoft.com/office/drawing/2014/main" id="{69E65614-1769-72CC-B4F9-470459309628}"/>
+                <a16:creationId xmlns:a16="http://schemas.microsoft.com/office/drawing/2014/main" id="{87777496-79FF-04A7-9337-94C7E29D3F2C}"/>
               </a:ext>
             </a:extLst>
           </p:cNvPr>
@@ -2116,7 +2116,7 @@
           <a:bodyPr/>
           <a:lstStyle/>
           <a:p>
-            <a:fld id="{EBBCB5C3-DE95-4D60-B16A-95571F970727}" type="slidenum">
+            <a:fld id="{6E535C62-7586-42CC-9363-E62ED343AD6A}" type="slidenum">
               <a:rPr lang="zh-CN" altLang="en-US" smtClean="0"/>
               <a:t>‹#›</a:t>
             </a:fld>
@@ -2127,7 +2127,7 @@
     </p:spTree>
     <p:extLst>
       <p:ext uri="{BB962C8B-B14F-4D97-AF65-F5344CB8AC3E}">
-        <p14:creationId xmlns:p14="http://schemas.microsoft.com/office/powerpoint/2010/main" val="1050935227"/>
+        <p14:creationId xmlns:p14="http://schemas.microsoft.com/office/powerpoint/2010/main" val="2992560729"/>
       </p:ext>
     </p:extLst>
   </p:cSld>
@@ -2159,7 +2159,7 @@
           <p:cNvPr id="2" name="标题 1">
             <a:extLst>
               <a:ext uri="{FF2B5EF4-FFF2-40B4-BE49-F238E27FC236}">
-                <a16:creationId xmlns:a16="http://schemas.microsoft.com/office/drawing/2014/main" id="{27B0F154-989D-BA6A-4AC2-8836D988B1C5}"/>
+                <a16:creationId xmlns:a16="http://schemas.microsoft.com/office/drawing/2014/main" id="{570A2348-91B4-05BC-88A8-0DE0E50F3CAF}"/>
               </a:ext>
             </a:extLst>
           </p:cNvPr>
@@ -2196,7 +2196,7 @@
           <p:cNvPr id="3" name="内容占位符 2">
             <a:extLst>
               <a:ext uri="{FF2B5EF4-FFF2-40B4-BE49-F238E27FC236}">
-                <a16:creationId xmlns:a16="http://schemas.microsoft.com/office/drawing/2014/main" id="{E9E5FE1B-72F0-DA2F-D705-0BF3158B3556}"/>
+                <a16:creationId xmlns:a16="http://schemas.microsoft.com/office/drawing/2014/main" id="{A5AFEDA2-8CD8-19A7-CC86-ED9A6E8BE127}"/>
               </a:ext>
             </a:extLst>
           </p:cNvPr>
@@ -2286,7 +2286,7 @@
           <p:cNvPr id="4" name="文本占位符 3">
             <a:extLst>
               <a:ext uri="{FF2B5EF4-FFF2-40B4-BE49-F238E27FC236}">
-                <a16:creationId xmlns:a16="http://schemas.microsoft.com/office/drawing/2014/main" id="{905D5AE2-827F-F35E-6E9E-74BE8E6BBB0F}"/>
+                <a16:creationId xmlns:a16="http://schemas.microsoft.com/office/drawing/2014/main" id="{FE48F2D5-364A-DE16-030B-691B6757C825}"/>
               </a:ext>
             </a:extLst>
           </p:cNvPr>
@@ -2357,7 +2357,7 @@
           <p:cNvPr id="5" name="日期占位符 4">
             <a:extLst>
               <a:ext uri="{FF2B5EF4-FFF2-40B4-BE49-F238E27FC236}">
-                <a16:creationId xmlns:a16="http://schemas.microsoft.com/office/drawing/2014/main" id="{9D4C213E-0842-C8B6-5072-DA192C6BD2C1}"/>
+                <a16:creationId xmlns:a16="http://schemas.microsoft.com/office/drawing/2014/main" id="{50753427-E5DC-5811-4532-9C33FB9EBEBB}"/>
               </a:ext>
             </a:extLst>
           </p:cNvPr>
@@ -2373,7 +2373,7 @@
           <a:bodyPr/>
           <a:lstStyle/>
           <a:p>
-            <a:fld id="{9F1873FD-C718-403C-AE44-7017A3926CFD}" type="datetimeFigureOut">
+            <a:fld id="{6771A767-498F-4640-A49C-2C2C61D7ED07}" type="datetimeFigureOut">
               <a:rPr lang="zh-CN" altLang="en-US" smtClean="0"/>
               <a:t>2024/3/10</a:t>
             </a:fld>
@@ -2386,7 +2386,7 @@
           <p:cNvPr id="6" name="页脚占位符 5">
             <a:extLst>
               <a:ext uri="{FF2B5EF4-FFF2-40B4-BE49-F238E27FC236}">
-                <a16:creationId xmlns:a16="http://schemas.microsoft.com/office/drawing/2014/main" id="{F6031E70-778A-A3C6-B530-51B21C4C1407}"/>
+                <a16:creationId xmlns:a16="http://schemas.microsoft.com/office/drawing/2014/main" id="{56EE398E-1516-4E12-04C3-A771B05C424D}"/>
               </a:ext>
             </a:extLst>
           </p:cNvPr>
@@ -2411,7 +2411,7 @@
           <p:cNvPr id="7" name="灯片编号占位符 6">
             <a:extLst>
               <a:ext uri="{FF2B5EF4-FFF2-40B4-BE49-F238E27FC236}">
-                <a16:creationId xmlns:a16="http://schemas.microsoft.com/office/drawing/2014/main" id="{68909DF5-CBB2-8751-1194-555E9950A1CC}"/>
+                <a16:creationId xmlns:a16="http://schemas.microsoft.com/office/drawing/2014/main" id="{5671454B-2E12-6847-E5DF-86391DF39505}"/>
               </a:ext>
             </a:extLst>
           </p:cNvPr>
@@ -2427,7 +2427,7 @@
           <a:bodyPr/>
           <a:lstStyle/>
           <a:p>
-            <a:fld id="{EBBCB5C3-DE95-4D60-B16A-95571F970727}" type="slidenum">
+            <a:fld id="{6E535C62-7586-42CC-9363-E62ED343AD6A}" type="slidenum">
               <a:rPr lang="zh-CN" altLang="en-US" smtClean="0"/>
               <a:t>‹#›</a:t>
             </a:fld>
@@ -2438,7 +2438,7 @@
     </p:spTree>
     <p:extLst>
       <p:ext uri="{BB962C8B-B14F-4D97-AF65-F5344CB8AC3E}">
-        <p14:creationId xmlns:p14="http://schemas.microsoft.com/office/powerpoint/2010/main" val="520065230"/>
+        <p14:creationId xmlns:p14="http://schemas.microsoft.com/office/powerpoint/2010/main" val="1164263299"/>
       </p:ext>
     </p:extLst>
   </p:cSld>
@@ -2470,7 +2470,7 @@
           <p:cNvPr id="2" name="标题 1">
             <a:extLst>
               <a:ext uri="{FF2B5EF4-FFF2-40B4-BE49-F238E27FC236}">
-                <a16:creationId xmlns:a16="http://schemas.microsoft.com/office/drawing/2014/main" id="{FE457F06-3623-CA5E-73F5-759BB1096236}"/>
+                <a16:creationId xmlns:a16="http://schemas.microsoft.com/office/drawing/2014/main" id="{2358DBB6-8020-01FF-4F7F-7AA987F63662}"/>
               </a:ext>
             </a:extLst>
           </p:cNvPr>
@@ -2507,7 +2507,7 @@
           <p:cNvPr id="3" name="图片占位符 2">
             <a:extLst>
               <a:ext uri="{FF2B5EF4-FFF2-40B4-BE49-F238E27FC236}">
-                <a16:creationId xmlns:a16="http://schemas.microsoft.com/office/drawing/2014/main" id="{CC6CE808-978D-958B-0A5E-AC7AF83D8BA8}"/>
+                <a16:creationId xmlns:a16="http://schemas.microsoft.com/office/drawing/2014/main" id="{8F10EBA3-F946-3BD3-7142-F404849C1CB1}"/>
               </a:ext>
             </a:extLst>
           </p:cNvPr>
@@ -2574,7 +2574,7 @@
           <p:cNvPr id="4" name="文本占位符 3">
             <a:extLst>
               <a:ext uri="{FF2B5EF4-FFF2-40B4-BE49-F238E27FC236}">
-                <a16:creationId xmlns:a16="http://schemas.microsoft.com/office/drawing/2014/main" id="{F9872871-B3E9-2668-FC81-6A6573A391D5}"/>
+                <a16:creationId xmlns:a16="http://schemas.microsoft.com/office/drawing/2014/main" id="{43AF0DA6-78F0-B98C-F0A4-08EA22200EF3}"/>
               </a:ext>
             </a:extLst>
           </p:cNvPr>
@@ -2645,7 +2645,7 @@
           <p:cNvPr id="5" name="日期占位符 4">
             <a:extLst>
               <a:ext uri="{FF2B5EF4-FFF2-40B4-BE49-F238E27FC236}">
-                <a16:creationId xmlns:a16="http://schemas.microsoft.com/office/drawing/2014/main" id="{FCF851B1-8C89-62A1-667C-D5619C631FF5}"/>
+                <a16:creationId xmlns:a16="http://schemas.microsoft.com/office/drawing/2014/main" id="{625CDDD6-F1BD-327E-C014-E861DFA51CB4}"/>
               </a:ext>
             </a:extLst>
           </p:cNvPr>
@@ -2661,7 +2661,7 @@
           <a:bodyPr/>
           <a:lstStyle/>
           <a:p>
-            <a:fld id="{9F1873FD-C718-403C-AE44-7017A3926CFD}" type="datetimeFigureOut">
+            <a:fld id="{6771A767-498F-4640-A49C-2C2C61D7ED07}" type="datetimeFigureOut">
               <a:rPr lang="zh-CN" altLang="en-US" smtClean="0"/>
               <a:t>2024/3/10</a:t>
             </a:fld>
@@ -2674,7 +2674,7 @@
           <p:cNvPr id="6" name="页脚占位符 5">
             <a:extLst>
               <a:ext uri="{FF2B5EF4-FFF2-40B4-BE49-F238E27FC236}">
-                <a16:creationId xmlns:a16="http://schemas.microsoft.com/office/drawing/2014/main" id="{F2A60B94-BD2C-BC77-3E0E-44B025ED1A5E}"/>
+                <a16:creationId xmlns:a16="http://schemas.microsoft.com/office/drawing/2014/main" id="{31AAC647-E94C-8171-B3D1-53205E1EE13C}"/>
               </a:ext>
             </a:extLst>
           </p:cNvPr>
@@ -2699,7 +2699,7 @@
           <p:cNvPr id="7" name="灯片编号占位符 6">
             <a:extLst>
               <a:ext uri="{FF2B5EF4-FFF2-40B4-BE49-F238E27FC236}">
-                <a16:creationId xmlns:a16="http://schemas.microsoft.com/office/drawing/2014/main" id="{968112D5-A62A-278C-00EF-608805FF348C}"/>
+                <a16:creationId xmlns:a16="http://schemas.microsoft.com/office/drawing/2014/main" id="{F4416DE5-87A7-D845-B70B-235A95ED3E2E}"/>
               </a:ext>
             </a:extLst>
           </p:cNvPr>
@@ -2715,7 +2715,7 @@
           <a:bodyPr/>
           <a:lstStyle/>
           <a:p>
-            <a:fld id="{EBBCB5C3-DE95-4D60-B16A-95571F970727}" type="slidenum">
+            <a:fld id="{6E535C62-7586-42CC-9363-E62ED343AD6A}" type="slidenum">
               <a:rPr lang="zh-CN" altLang="en-US" smtClean="0"/>
               <a:t>‹#›</a:t>
             </a:fld>
@@ -2726,7 +2726,7 @@
     </p:spTree>
     <p:extLst>
       <p:ext uri="{BB962C8B-B14F-4D97-AF65-F5344CB8AC3E}">
-        <p14:creationId xmlns:p14="http://schemas.microsoft.com/office/powerpoint/2010/main" val="1410880122"/>
+        <p14:creationId xmlns:p14="http://schemas.microsoft.com/office/powerpoint/2010/main" val="1736251266"/>
       </p:ext>
     </p:extLst>
   </p:cSld>
@@ -2763,7 +2763,7 @@
           <p:cNvPr id="2" name="标题占位符 1">
             <a:extLst>
               <a:ext uri="{FF2B5EF4-FFF2-40B4-BE49-F238E27FC236}">
-                <a16:creationId xmlns:a16="http://schemas.microsoft.com/office/drawing/2014/main" id="{9E5A3132-07EA-6304-CE18-2201846CEFAD}"/>
+                <a16:creationId xmlns:a16="http://schemas.microsoft.com/office/drawing/2014/main" id="{E15AC1BA-636F-3039-F606-243F4C2763F2}"/>
               </a:ext>
             </a:extLst>
           </p:cNvPr>
@@ -2801,7 +2801,7 @@
           <p:cNvPr id="3" name="文本占位符 2">
             <a:extLst>
               <a:ext uri="{FF2B5EF4-FFF2-40B4-BE49-F238E27FC236}">
-                <a16:creationId xmlns:a16="http://schemas.microsoft.com/office/drawing/2014/main" id="{0A922F92-4DBD-DD5D-47FF-E0BAB8168235}"/>
+                <a16:creationId xmlns:a16="http://schemas.microsoft.com/office/drawing/2014/main" id="{B8B3B77C-F128-2637-88A9-004E13866877}"/>
               </a:ext>
             </a:extLst>
           </p:cNvPr>
@@ -2868,7 +2868,7 @@
           <p:cNvPr id="4" name="日期占位符 3">
             <a:extLst>
               <a:ext uri="{FF2B5EF4-FFF2-40B4-BE49-F238E27FC236}">
-                <a16:creationId xmlns:a16="http://schemas.microsoft.com/office/drawing/2014/main" id="{EFCE7BF9-8657-4253-D409-796EBFFBB2DC}"/>
+                <a16:creationId xmlns:a16="http://schemas.microsoft.com/office/drawing/2014/main" id="{2400EA39-334D-6F40-EC04-9356F3302EA9}"/>
               </a:ext>
             </a:extLst>
           </p:cNvPr>
@@ -2902,7 +2902,7 @@
             </a:lvl1pPr>
           </a:lstStyle>
           <a:p>
-            <a:fld id="{9F1873FD-C718-403C-AE44-7017A3926CFD}" type="datetimeFigureOut">
+            <a:fld id="{6771A767-498F-4640-A49C-2C2C61D7ED07}" type="datetimeFigureOut">
               <a:rPr lang="zh-CN" altLang="en-US" smtClean="0"/>
               <a:t>2024/3/10</a:t>
             </a:fld>
@@ -2915,7 +2915,7 @@
           <p:cNvPr id="5" name="页脚占位符 4">
             <a:extLst>
               <a:ext uri="{FF2B5EF4-FFF2-40B4-BE49-F238E27FC236}">
-                <a16:creationId xmlns:a16="http://schemas.microsoft.com/office/drawing/2014/main" id="{42273945-7CF0-2089-CF2D-893114D6D9C6}"/>
+                <a16:creationId xmlns:a16="http://schemas.microsoft.com/office/drawing/2014/main" id="{602B63EB-5B29-8367-662A-7AAF1182D45F}"/>
               </a:ext>
             </a:extLst>
           </p:cNvPr>
@@ -2958,7 +2958,7 @@
           <p:cNvPr id="6" name="灯片编号占位符 5">
             <a:extLst>
               <a:ext uri="{FF2B5EF4-FFF2-40B4-BE49-F238E27FC236}">
-                <a16:creationId xmlns:a16="http://schemas.microsoft.com/office/drawing/2014/main" id="{A68EB4A7-D468-37BD-0CBE-AA49DE861FD7}"/>
+                <a16:creationId xmlns:a16="http://schemas.microsoft.com/office/drawing/2014/main" id="{02101DF9-81AA-965D-1294-D2A5D2D09A2E}"/>
               </a:ext>
             </a:extLst>
           </p:cNvPr>
@@ -2992,7 +2992,7 @@
             </a:lvl1pPr>
           </a:lstStyle>
           <a:p>
-            <a:fld id="{EBBCB5C3-DE95-4D60-B16A-95571F970727}" type="slidenum">
+            <a:fld id="{6E535C62-7586-42CC-9363-E62ED343AD6A}" type="slidenum">
               <a:rPr lang="zh-CN" altLang="en-US" smtClean="0"/>
               <a:t>‹#›</a:t>
             </a:fld>
@@ -3003,7 +3003,7 @@
     </p:spTree>
     <p:extLst>
       <p:ext uri="{BB962C8B-B14F-4D97-AF65-F5344CB8AC3E}">
-        <p14:creationId xmlns:p14="http://schemas.microsoft.com/office/powerpoint/2010/main" val="1101505458"/>
+        <p14:creationId xmlns:p14="http://schemas.microsoft.com/office/powerpoint/2010/main" val="3432548386"/>
       </p:ext>
     </p:extLst>
   </p:cSld>
